--- a/fuentes/contenidos/grado10/guion04/CN_10_04_01_CO/CN_10_04_1.pptx
+++ b/fuentes/contenidos/grado10/guion04/CN_10_04_01_CO/CN_10_04_1.pptx
@@ -192,7 +192,7 @@
           <a:p>
             <a:fld id="{13FC2613-885A-42B7-95B0-D15F64EE6B8E}" type="datetimeFigureOut">
               <a:rPr lang="es-ES" smtClean="0"/>
-              <a:t>29/09/2015</a:t>
+              <a:t>30/09/15</a:t>
             </a:fld>
             <a:endParaRPr lang="es-ES"/>
           </a:p>
@@ -351,7 +351,7 @@
           <a:p>
             <a:fld id="{1E32B3D2-4C30-45DF-A931-537FC7D9A9E9}" type="slidenum">
               <a:rPr lang="es-ES" smtClean="0"/>
-              <a:t>‹Nº›</a:t>
+              <a:t>‹Nr.›</a:t>
             </a:fld>
             <a:endParaRPr lang="es-ES"/>
           </a:p>
@@ -725,7 +725,7 @@
           <a:p>
             <a:fld id="{A2FD91B1-B84D-4484-9B98-D3CC6C54B2F9}" type="datetimeFigureOut">
               <a:rPr lang="es-ES" smtClean="0"/>
-              <a:t>29/09/2015</a:t>
+              <a:t>30/09/15</a:t>
             </a:fld>
             <a:endParaRPr lang="es-ES"/>
           </a:p>
@@ -767,7 +767,7 @@
           <a:p>
             <a:fld id="{BDF0566A-A628-4F4F-99D1-E768FBE2F676}" type="slidenum">
               <a:rPr lang="es-ES" smtClean="0"/>
-              <a:t>‹Nº›</a:t>
+              <a:t>‹Nr.›</a:t>
             </a:fld>
             <a:endParaRPr lang="es-ES"/>
           </a:p>
@@ -895,7 +895,7 @@
           <a:p>
             <a:fld id="{A2FD91B1-B84D-4484-9B98-D3CC6C54B2F9}" type="datetimeFigureOut">
               <a:rPr lang="es-ES" smtClean="0"/>
-              <a:t>29/09/2015</a:t>
+              <a:t>30/09/15</a:t>
             </a:fld>
             <a:endParaRPr lang="es-ES"/>
           </a:p>
@@ -937,7 +937,7 @@
           <a:p>
             <a:fld id="{BDF0566A-A628-4F4F-99D1-E768FBE2F676}" type="slidenum">
               <a:rPr lang="es-ES" smtClean="0"/>
-              <a:t>‹Nº›</a:t>
+              <a:t>‹Nr.›</a:t>
             </a:fld>
             <a:endParaRPr lang="es-ES"/>
           </a:p>
@@ -1075,7 +1075,7 @@
           <a:p>
             <a:fld id="{A2FD91B1-B84D-4484-9B98-D3CC6C54B2F9}" type="datetimeFigureOut">
               <a:rPr lang="es-ES" smtClean="0"/>
-              <a:t>29/09/2015</a:t>
+              <a:t>30/09/15</a:t>
             </a:fld>
             <a:endParaRPr lang="es-ES"/>
           </a:p>
@@ -1117,7 +1117,7 @@
           <a:p>
             <a:fld id="{BDF0566A-A628-4F4F-99D1-E768FBE2F676}" type="slidenum">
               <a:rPr lang="es-ES" smtClean="0"/>
-              <a:t>‹Nº›</a:t>
+              <a:t>‹Nr.›</a:t>
             </a:fld>
             <a:endParaRPr lang="es-ES"/>
           </a:p>
@@ -1245,7 +1245,7 @@
           <a:p>
             <a:fld id="{A2FD91B1-B84D-4484-9B98-D3CC6C54B2F9}" type="datetimeFigureOut">
               <a:rPr lang="es-ES" smtClean="0"/>
-              <a:t>29/09/2015</a:t>
+              <a:t>30/09/15</a:t>
             </a:fld>
             <a:endParaRPr lang="es-ES"/>
           </a:p>
@@ -1287,7 +1287,7 @@
           <a:p>
             <a:fld id="{BDF0566A-A628-4F4F-99D1-E768FBE2F676}" type="slidenum">
               <a:rPr lang="es-ES" smtClean="0"/>
-              <a:t>‹Nº›</a:t>
+              <a:t>‹Nr.›</a:t>
             </a:fld>
             <a:endParaRPr lang="es-ES"/>
           </a:p>
@@ -1491,7 +1491,7 @@
           <a:p>
             <a:fld id="{A2FD91B1-B84D-4484-9B98-D3CC6C54B2F9}" type="datetimeFigureOut">
               <a:rPr lang="es-ES" smtClean="0"/>
-              <a:t>29/09/2015</a:t>
+              <a:t>30/09/15</a:t>
             </a:fld>
             <a:endParaRPr lang="es-ES"/>
           </a:p>
@@ -1533,7 +1533,7 @@
           <a:p>
             <a:fld id="{BDF0566A-A628-4F4F-99D1-E768FBE2F676}" type="slidenum">
               <a:rPr lang="es-ES" smtClean="0"/>
-              <a:t>‹Nº›</a:t>
+              <a:t>‹Nr.›</a:t>
             </a:fld>
             <a:endParaRPr lang="es-ES"/>
           </a:p>
@@ -1779,7 +1779,7 @@
           <a:p>
             <a:fld id="{A2FD91B1-B84D-4484-9B98-D3CC6C54B2F9}" type="datetimeFigureOut">
               <a:rPr lang="es-ES" smtClean="0"/>
-              <a:t>29/09/2015</a:t>
+              <a:t>30/09/15</a:t>
             </a:fld>
             <a:endParaRPr lang="es-ES"/>
           </a:p>
@@ -1821,7 +1821,7 @@
           <a:p>
             <a:fld id="{BDF0566A-A628-4F4F-99D1-E768FBE2F676}" type="slidenum">
               <a:rPr lang="es-ES" smtClean="0"/>
-              <a:t>‹Nº›</a:t>
+              <a:t>‹Nr.›</a:t>
             </a:fld>
             <a:endParaRPr lang="es-ES"/>
           </a:p>
@@ -2201,7 +2201,7 @@
           <a:p>
             <a:fld id="{A2FD91B1-B84D-4484-9B98-D3CC6C54B2F9}" type="datetimeFigureOut">
               <a:rPr lang="es-ES" smtClean="0"/>
-              <a:t>29/09/2015</a:t>
+              <a:t>30/09/15</a:t>
             </a:fld>
             <a:endParaRPr lang="es-ES"/>
           </a:p>
@@ -2243,7 +2243,7 @@
           <a:p>
             <a:fld id="{BDF0566A-A628-4F4F-99D1-E768FBE2F676}" type="slidenum">
               <a:rPr lang="es-ES" smtClean="0"/>
-              <a:t>‹Nº›</a:t>
+              <a:t>‹Nr.›</a:t>
             </a:fld>
             <a:endParaRPr lang="es-ES"/>
           </a:p>
@@ -2319,7 +2319,7 @@
           <a:p>
             <a:fld id="{A2FD91B1-B84D-4484-9B98-D3CC6C54B2F9}" type="datetimeFigureOut">
               <a:rPr lang="es-ES" smtClean="0"/>
-              <a:t>29/09/2015</a:t>
+              <a:t>30/09/15</a:t>
             </a:fld>
             <a:endParaRPr lang="es-ES"/>
           </a:p>
@@ -2361,7 +2361,7 @@
           <a:p>
             <a:fld id="{BDF0566A-A628-4F4F-99D1-E768FBE2F676}" type="slidenum">
               <a:rPr lang="es-ES" smtClean="0"/>
-              <a:t>‹Nº›</a:t>
+              <a:t>‹Nr.›</a:t>
             </a:fld>
             <a:endParaRPr lang="es-ES"/>
           </a:p>
@@ -2414,7 +2414,7 @@
           <a:p>
             <a:fld id="{A2FD91B1-B84D-4484-9B98-D3CC6C54B2F9}" type="datetimeFigureOut">
               <a:rPr lang="es-ES" smtClean="0"/>
-              <a:t>29/09/2015</a:t>
+              <a:t>30/09/15</a:t>
             </a:fld>
             <a:endParaRPr lang="es-ES"/>
           </a:p>
@@ -2456,7 +2456,7 @@
           <a:p>
             <a:fld id="{BDF0566A-A628-4F4F-99D1-E768FBE2F676}" type="slidenum">
               <a:rPr lang="es-ES" smtClean="0"/>
-              <a:t>‹Nº›</a:t>
+              <a:t>‹Nr.›</a:t>
             </a:fld>
             <a:endParaRPr lang="es-ES"/>
           </a:p>
@@ -2691,7 +2691,7 @@
           <a:p>
             <a:fld id="{A2FD91B1-B84D-4484-9B98-D3CC6C54B2F9}" type="datetimeFigureOut">
               <a:rPr lang="es-ES" smtClean="0"/>
-              <a:t>29/09/2015</a:t>
+              <a:t>30/09/15</a:t>
             </a:fld>
             <a:endParaRPr lang="es-ES"/>
           </a:p>
@@ -2733,7 +2733,7 @@
           <a:p>
             <a:fld id="{BDF0566A-A628-4F4F-99D1-E768FBE2F676}" type="slidenum">
               <a:rPr lang="es-ES" smtClean="0"/>
-              <a:t>‹Nº›</a:t>
+              <a:t>‹Nr.›</a:t>
             </a:fld>
             <a:endParaRPr lang="es-ES"/>
           </a:p>
@@ -2944,7 +2944,7 @@
           <a:p>
             <a:fld id="{A2FD91B1-B84D-4484-9B98-D3CC6C54B2F9}" type="datetimeFigureOut">
               <a:rPr lang="es-ES" smtClean="0"/>
-              <a:t>29/09/2015</a:t>
+              <a:t>30/09/15</a:t>
             </a:fld>
             <a:endParaRPr lang="es-ES"/>
           </a:p>
@@ -2986,7 +2986,7 @@
           <a:p>
             <a:fld id="{BDF0566A-A628-4F4F-99D1-E768FBE2F676}" type="slidenum">
               <a:rPr lang="es-ES" smtClean="0"/>
-              <a:t>‹Nº›</a:t>
+              <a:t>‹Nr.›</a:t>
             </a:fld>
             <a:endParaRPr lang="es-ES"/>
           </a:p>
@@ -3157,7 +3157,7 @@
           <a:p>
             <a:fld id="{A2FD91B1-B84D-4484-9B98-D3CC6C54B2F9}" type="datetimeFigureOut">
               <a:rPr lang="es-ES" smtClean="0"/>
-              <a:t>29/09/2015</a:t>
+              <a:t>30/09/15</a:t>
             </a:fld>
             <a:endParaRPr lang="es-ES"/>
           </a:p>
@@ -3235,7 +3235,7 @@
           <a:p>
             <a:fld id="{BDF0566A-A628-4F4F-99D1-E768FBE2F676}" type="slidenum">
               <a:rPr lang="es-ES" smtClean="0"/>
-              <a:t>‹Nº›</a:t>
+              <a:t>‹Nr.›</a:t>
             </a:fld>
             <a:endParaRPr lang="es-ES"/>
           </a:p>
@@ -7390,6 +7390,126 @@
           </a:p>
         </p:txBody>
       </p:sp>
+      <p:cxnSp>
+        <p:nvCxnSpPr>
+          <p:cNvPr id="3" name="Conector angular 2"/>
+          <p:cNvCxnSpPr>
+            <a:stCxn id="40" idx="1"/>
+            <a:endCxn id="41" idx="1"/>
+          </p:cNvCxnSpPr>
+          <p:nvPr/>
+        </p:nvCxnSpPr>
+        <p:spPr>
+          <a:xfrm rot="10800000" flipH="1" flipV="1">
+            <a:off x="808890" y="4021732"/>
+            <a:ext cx="12052" cy="849980"/>
+          </a:xfrm>
+          <a:prstGeom prst="bentConnector3">
+            <a:avLst>
+              <a:gd name="adj1" fmla="val -1896781"/>
+            </a:avLst>
+          </a:prstGeom>
+          <a:ln>
+            <a:solidFill>
+              <a:srgbClr val="000000"/>
+            </a:solidFill>
+          </a:ln>
+        </p:spPr>
+        <p:style>
+          <a:lnRef idx="2">
+            <a:schemeClr val="accent1"/>
+          </a:lnRef>
+          <a:fillRef idx="0">
+            <a:schemeClr val="accent1"/>
+          </a:fillRef>
+          <a:effectRef idx="1">
+            <a:schemeClr val="accent1"/>
+          </a:effectRef>
+          <a:fontRef idx="minor">
+            <a:schemeClr val="tx1"/>
+          </a:fontRef>
+        </p:style>
+      </p:cxnSp>
+      <p:cxnSp>
+        <p:nvCxnSpPr>
+          <p:cNvPr id="10" name="Conector angular 9"/>
+          <p:cNvCxnSpPr>
+            <a:stCxn id="41" idx="1"/>
+            <a:endCxn id="44" idx="1"/>
+          </p:cNvCxnSpPr>
+          <p:nvPr/>
+        </p:nvCxnSpPr>
+        <p:spPr>
+          <a:xfrm rot="10800000" flipV="1">
+            <a:off x="670516" y="4871712"/>
+            <a:ext cx="150426" cy="837344"/>
+          </a:xfrm>
+          <a:prstGeom prst="bentConnector3">
+            <a:avLst>
+              <a:gd name="adj1" fmla="val 162433"/>
+            </a:avLst>
+          </a:prstGeom>
+          <a:ln>
+            <a:solidFill>
+              <a:srgbClr val="000000"/>
+            </a:solidFill>
+          </a:ln>
+        </p:spPr>
+        <p:style>
+          <a:lnRef idx="2">
+            <a:schemeClr val="accent1"/>
+          </a:lnRef>
+          <a:fillRef idx="0">
+            <a:schemeClr val="accent1"/>
+          </a:fillRef>
+          <a:effectRef idx="1">
+            <a:schemeClr val="accent1"/>
+          </a:effectRef>
+          <a:fontRef idx="minor">
+            <a:schemeClr val="tx1"/>
+          </a:fontRef>
+        </p:style>
+      </p:cxnSp>
+      <p:cxnSp>
+        <p:nvCxnSpPr>
+          <p:cNvPr id="19" name="Conector angular 18"/>
+          <p:cNvCxnSpPr>
+            <a:stCxn id="44" idx="1"/>
+            <a:endCxn id="46" idx="1"/>
+          </p:cNvCxnSpPr>
+          <p:nvPr/>
+        </p:nvCxnSpPr>
+        <p:spPr>
+          <a:xfrm rot="10800000" flipH="1" flipV="1">
+            <a:off x="670516" y="5709056"/>
+            <a:ext cx="150426" cy="863674"/>
+          </a:xfrm>
+          <a:prstGeom prst="bentConnector3">
+            <a:avLst>
+              <a:gd name="adj1" fmla="val -62432"/>
+            </a:avLst>
+          </a:prstGeom>
+          <a:ln>
+            <a:solidFill>
+              <a:srgbClr val="000000"/>
+            </a:solidFill>
+          </a:ln>
+        </p:spPr>
+        <p:style>
+          <a:lnRef idx="2">
+            <a:schemeClr val="accent1"/>
+          </a:lnRef>
+          <a:fillRef idx="0">
+            <a:schemeClr val="accent1"/>
+          </a:fillRef>
+          <a:effectRef idx="1">
+            <a:schemeClr val="accent1"/>
+          </a:effectRef>
+          <a:fontRef idx="minor">
+            <a:schemeClr val="tx1"/>
+          </a:fontRef>
+        </p:style>
+      </p:cxnSp>
     </p:spTree>
     <p:extLst>
       <p:ext uri="{BB962C8B-B14F-4D97-AF65-F5344CB8AC3E}">
